--- a/Daily Agendas/Day02.2 - PeriodicTable.pptx
+++ b/Daily Agendas/Day02.2 - PeriodicTable.pptx
@@ -243,7 +243,7 @@
           <a:p>
             <a:fld id="{69DBCF37-83FE-4516-BE5A-9F53FA57CCFA}" type="datetimeFigureOut">
               <a:rPr lang="en-US" smtClean="0"/>
-              <a:t>2/7/2020</a:t>
+              <a:t>2/10/2020</a:t>
             </a:fld>
             <a:endParaRPr lang="en-US"/>
           </a:p>
@@ -413,7 +413,7 @@
           <a:p>
             <a:fld id="{69DBCF37-83FE-4516-BE5A-9F53FA57CCFA}" type="datetimeFigureOut">
               <a:rPr lang="en-US" smtClean="0"/>
-              <a:t>2/7/2020</a:t>
+              <a:t>2/10/2020</a:t>
             </a:fld>
             <a:endParaRPr lang="en-US"/>
           </a:p>
@@ -593,7 +593,7 @@
           <a:p>
             <a:fld id="{69DBCF37-83FE-4516-BE5A-9F53FA57CCFA}" type="datetimeFigureOut">
               <a:rPr lang="en-US" smtClean="0"/>
-              <a:t>2/7/2020</a:t>
+              <a:t>2/10/2020</a:t>
             </a:fld>
             <a:endParaRPr lang="en-US"/>
           </a:p>
@@ -763,7 +763,7 @@
           <a:p>
             <a:fld id="{69DBCF37-83FE-4516-BE5A-9F53FA57CCFA}" type="datetimeFigureOut">
               <a:rPr lang="en-US" smtClean="0"/>
-              <a:t>2/7/2020</a:t>
+              <a:t>2/10/2020</a:t>
             </a:fld>
             <a:endParaRPr lang="en-US"/>
           </a:p>
@@ -1007,7 +1007,7 @@
           <a:p>
             <a:fld id="{69DBCF37-83FE-4516-BE5A-9F53FA57CCFA}" type="datetimeFigureOut">
               <a:rPr lang="en-US" smtClean="0"/>
-              <a:t>2/7/2020</a:t>
+              <a:t>2/10/2020</a:t>
             </a:fld>
             <a:endParaRPr lang="en-US"/>
           </a:p>
@@ -1239,7 +1239,7 @@
           <a:p>
             <a:fld id="{69DBCF37-83FE-4516-BE5A-9F53FA57CCFA}" type="datetimeFigureOut">
               <a:rPr lang="en-US" smtClean="0"/>
-              <a:t>2/7/2020</a:t>
+              <a:t>2/10/2020</a:t>
             </a:fld>
             <a:endParaRPr lang="en-US"/>
           </a:p>
@@ -1606,7 +1606,7 @@
           <a:p>
             <a:fld id="{69DBCF37-83FE-4516-BE5A-9F53FA57CCFA}" type="datetimeFigureOut">
               <a:rPr lang="en-US" smtClean="0"/>
-              <a:t>2/7/2020</a:t>
+              <a:t>2/10/2020</a:t>
             </a:fld>
             <a:endParaRPr lang="en-US"/>
           </a:p>
@@ -1724,7 +1724,7 @@
           <a:p>
             <a:fld id="{69DBCF37-83FE-4516-BE5A-9F53FA57CCFA}" type="datetimeFigureOut">
               <a:rPr lang="en-US" smtClean="0"/>
-              <a:t>2/7/2020</a:t>
+              <a:t>2/10/2020</a:t>
             </a:fld>
             <a:endParaRPr lang="en-US"/>
           </a:p>
@@ -1819,7 +1819,7 @@
           <a:p>
             <a:fld id="{69DBCF37-83FE-4516-BE5A-9F53FA57CCFA}" type="datetimeFigureOut">
               <a:rPr lang="en-US" smtClean="0"/>
-              <a:t>2/7/2020</a:t>
+              <a:t>2/10/2020</a:t>
             </a:fld>
             <a:endParaRPr lang="en-US"/>
           </a:p>
@@ -2096,7 +2096,7 @@
           <a:p>
             <a:fld id="{69DBCF37-83FE-4516-BE5A-9F53FA57CCFA}" type="datetimeFigureOut">
               <a:rPr lang="en-US" smtClean="0"/>
-              <a:t>2/7/2020</a:t>
+              <a:t>2/10/2020</a:t>
             </a:fld>
             <a:endParaRPr lang="en-US"/>
           </a:p>
@@ -2353,7 +2353,7 @@
           <a:p>
             <a:fld id="{69DBCF37-83FE-4516-BE5A-9F53FA57CCFA}" type="datetimeFigureOut">
               <a:rPr lang="en-US" smtClean="0"/>
-              <a:t>2/7/2020</a:t>
+              <a:t>2/10/2020</a:t>
             </a:fld>
             <a:endParaRPr lang="en-US"/>
           </a:p>
@@ -2566,7 +2566,7 @@
           <a:p>
             <a:fld id="{69DBCF37-83FE-4516-BE5A-9F53FA57CCFA}" type="datetimeFigureOut">
               <a:rPr lang="en-US" smtClean="0"/>
-              <a:t>2/7/2020</a:t>
+              <a:t>2/10/2020</a:t>
             </a:fld>
             <a:endParaRPr lang="en-US"/>
           </a:p>
@@ -3032,7 +3032,9 @@
         </p:nvSpPr>
         <p:spPr/>
         <p:txBody>
-          <a:bodyPr/>
+          <a:bodyPr>
+            <a:normAutofit lnSpcReduction="10000"/>
+          </a:bodyPr>
           <a:lstStyle/>
           <a:p>
             <a:r>
@@ -3043,6 +3045,25 @@
           <a:p>
             <a:pPr lvl="1"/>
             <a:r>
+              <a:rPr lang="en-CA" dirty="0"/>
+              <a:t>Activity: Physical </a:t>
+            </a:r>
+            <a:r>
+              <a:rPr lang="en-CA" dirty="0" smtClean="0"/>
+              <a:t>Properties</a:t>
+            </a:r>
+          </a:p>
+          <a:p>
+            <a:pPr lvl="2"/>
+            <a:r>
+              <a:rPr lang="en-CA" dirty="0" smtClean="0"/>
+              <a:t>Complete Observing Substances (Yesterday)</a:t>
+            </a:r>
+            <a:endParaRPr lang="en-CA" dirty="0"/>
+          </a:p>
+          <a:p>
+            <a:pPr lvl="1"/>
+            <a:r>
               <a:rPr lang="en-CA" dirty="0" smtClean="0"/>
               <a:t>Activity</a:t>
             </a:r>
@@ -3094,13 +3115,12 @@
             <a:pPr lvl="1"/>
             <a:r>
               <a:rPr lang="en-CA" dirty="0" smtClean="0"/>
-              <a:t>Tomorrow: </a:t>
+              <a:t>Next Lesson: </a:t>
             </a:r>
             <a:r>
               <a:rPr lang="en-CA" dirty="0" smtClean="0"/>
               <a:t>Measuring Volume</a:t>
             </a:r>
-            <a:endParaRPr lang="en-CA" dirty="0" smtClean="0"/>
           </a:p>
           <a:p>
             <a:endParaRPr lang="en-US" dirty="0"/>
